--- a/STAG - Galen Framework Demo.pptx
+++ b/STAG - Galen Framework Demo.pptx
@@ -17,7 +17,8 @@
     <p:sldId id="279" r:id="rId11"/>
     <p:sldId id="281" r:id="rId12"/>
     <p:sldId id="277" r:id="rId13"/>
-    <p:sldId id="274" r:id="rId14"/>
+    <p:sldId id="283" r:id="rId14"/>
+    <p:sldId id="274" r:id="rId15"/>
   </p:sldIdLst>
   <p:sldSz cx="12192000" cy="6858000"/>
   <p:notesSz cx="6858000" cy="9144000"/>
@@ -3911,7 +3912,6 @@
               <a:rPr lang="en-AU" dirty="0"/>
               <a:t>http://galenframework.com/docs/reference-galen-spec-language-guide</a:t>
             </a:r>
-            <a:endParaRPr lang="en-AU" dirty="0"/>
           </a:p>
           <a:p>
             <a:endParaRPr lang="en-AU" dirty="0"/>
@@ -4112,6 +4112,118 @@
 </file>
 
 <file path=ppt/slides/slide13.xml><?xml version="1.0" encoding="utf-8"?>
+<p:sld xmlns:a="http://schemas.openxmlformats.org/drawingml/2006/main" xmlns:r="http://schemas.openxmlformats.org/officeDocument/2006/relationships" xmlns:p="http://schemas.openxmlformats.org/presentationml/2006/main">
+  <p:cSld>
+    <p:bg>
+      <p:bgPr>
+        <a:solidFill>
+          <a:schemeClr val="accent1">
+            <a:lumMod val="40000"/>
+            <a:lumOff val="60000"/>
+          </a:schemeClr>
+        </a:solidFill>
+        <a:effectLst/>
+      </p:bgPr>
+    </p:bg>
+    <p:spTree>
+      <p:nvGrpSpPr>
+        <p:cNvPr id="1" name=""/>
+        <p:cNvGrpSpPr/>
+        <p:nvPr/>
+      </p:nvGrpSpPr>
+      <p:grpSpPr>
+        <a:xfrm>
+          <a:off x="0" y="0"/>
+          <a:ext cx="0" cy="0"/>
+          <a:chOff x="0" y="0"/>
+          <a:chExt cx="0" cy="0"/>
+        </a:xfrm>
+      </p:grpSpPr>
+      <p:sp>
+        <p:nvSpPr>
+          <p:cNvPr id="2" name="Title 1"/>
+          <p:cNvSpPr>
+            <a:spLocks noGrp="1"/>
+          </p:cNvSpPr>
+          <p:nvPr>
+            <p:ph type="title"/>
+          </p:nvPr>
+        </p:nvSpPr>
+        <p:spPr/>
+        <p:txBody>
+          <a:bodyPr/>
+          <a:lstStyle/>
+          <a:p>
+            <a:r>
+              <a:rPr lang="en-AU" b="1" dirty="0"/>
+              <a:t>Galen HTML Report</a:t>
+            </a:r>
+            <a:endParaRPr lang="en-US" b="1" dirty="0"/>
+          </a:p>
+        </p:txBody>
+      </p:sp>
+      <p:pic>
+        <p:nvPicPr>
+          <p:cNvPr id="8" name="Picture 7"/>
+          <p:cNvPicPr>
+            <a:picLocks noChangeAspect="1"/>
+          </p:cNvPicPr>
+          <p:nvPr/>
+        </p:nvPicPr>
+        <p:blipFill>
+          <a:blip r:embed="rId2"/>
+          <a:stretch>
+            <a:fillRect/>
+          </a:stretch>
+        </p:blipFill>
+        <p:spPr>
+          <a:xfrm>
+            <a:off x="6096000" y="1375657"/>
+            <a:ext cx="5257800" cy="4687006"/>
+          </a:xfrm>
+          <a:prstGeom prst="rect">
+            <a:avLst/>
+          </a:prstGeom>
+        </p:spPr>
+      </p:pic>
+      <p:pic>
+        <p:nvPicPr>
+          <p:cNvPr id="10" name="Picture 9"/>
+          <p:cNvPicPr>
+            <a:picLocks noChangeAspect="1"/>
+          </p:cNvPicPr>
+          <p:nvPr/>
+        </p:nvPicPr>
+        <p:blipFill>
+          <a:blip r:embed="rId3"/>
+          <a:stretch>
+            <a:fillRect/>
+          </a:stretch>
+        </p:blipFill>
+        <p:spPr>
+          <a:xfrm>
+            <a:off x="838200" y="1375657"/>
+            <a:ext cx="5200650" cy="4687006"/>
+          </a:xfrm>
+          <a:prstGeom prst="rect">
+            <a:avLst/>
+          </a:prstGeom>
+        </p:spPr>
+      </p:pic>
+    </p:spTree>
+    <p:extLst>
+      <p:ext uri="{BB962C8B-B14F-4D97-AF65-F5344CB8AC3E}">
+        <p14:creationId xmlns:p14="http://schemas.microsoft.com/office/powerpoint/2010/main" val="4079124420"/>
+      </p:ext>
+    </p:extLst>
+  </p:cSld>
+  <p:clrMapOvr>
+    <a:masterClrMapping/>
+  </p:clrMapOvr>
+</p:sld>
+</file>
+
+<file path=ppt/slides/slide14.xml><?xml version="1.0" encoding="utf-8"?>
 <p:sld xmlns:a="http://schemas.openxmlformats.org/drawingml/2006/main" xmlns:r="http://schemas.openxmlformats.org/officeDocument/2006/relationships" xmlns:p="http://schemas.openxmlformats.org/presentationml/2006/main">
   <p:cSld>
     <p:bg>
